--- a/Zmienne/II. Zmienne/Zmienne - ćwiczenia Blockly.pptx
+++ b/Zmienne/II. Zmienne/Zmienne - ćwiczenia Blockly.pptx
@@ -24,9 +24,10 @@
     <p:sldId id="295" r:id="rId18"/>
     <p:sldId id="296" r:id="rId19"/>
     <p:sldId id="302" r:id="rId20"/>
-    <p:sldId id="297" r:id="rId21"/>
-    <p:sldId id="303" r:id="rId22"/>
-    <p:sldId id="267" r:id="rId23"/>
+    <p:sldId id="304" r:id="rId21"/>
+    <p:sldId id="297" r:id="rId22"/>
+    <p:sldId id="303" r:id="rId23"/>
+    <p:sldId id="267" r:id="rId24"/>
   </p:sldIdLst>
   <p:sldSz cx="12192000" cy="6858000"/>
   <p:notesSz cx="6858000" cy="9144000"/>
@@ -280,7 +281,7 @@
           <a:p>
             <a:fld id="{36C21D95-A4D9-8143-B5F6-E64779D4B9CD}" type="datetimeFigureOut">
               <a:rPr lang="pl-PL" smtClean="0"/>
-              <a:t>05.07.2018</a:t>
+              <a:t>30.07.2018</a:t>
             </a:fld>
             <a:endParaRPr lang="pl-PL"/>
           </a:p>
@@ -478,7 +479,7 @@
           <a:p>
             <a:fld id="{36C21D95-A4D9-8143-B5F6-E64779D4B9CD}" type="datetimeFigureOut">
               <a:rPr lang="pl-PL" smtClean="0"/>
-              <a:t>05.07.2018</a:t>
+              <a:t>30.07.2018</a:t>
             </a:fld>
             <a:endParaRPr lang="pl-PL"/>
           </a:p>
@@ -686,7 +687,7 @@
           <a:p>
             <a:fld id="{36C21D95-A4D9-8143-B5F6-E64779D4B9CD}" type="datetimeFigureOut">
               <a:rPr lang="pl-PL" smtClean="0"/>
-              <a:t>05.07.2018</a:t>
+              <a:t>30.07.2018</a:t>
             </a:fld>
             <a:endParaRPr lang="pl-PL"/>
           </a:p>
@@ -884,7 +885,7 @@
           <a:p>
             <a:fld id="{36C21D95-A4D9-8143-B5F6-E64779D4B9CD}" type="datetimeFigureOut">
               <a:rPr lang="pl-PL" smtClean="0"/>
-              <a:t>05.07.2018</a:t>
+              <a:t>30.07.2018</a:t>
             </a:fld>
             <a:endParaRPr lang="pl-PL"/>
           </a:p>
@@ -1159,7 +1160,7 @@
           <a:p>
             <a:fld id="{36C21D95-A4D9-8143-B5F6-E64779D4B9CD}" type="datetimeFigureOut">
               <a:rPr lang="pl-PL" smtClean="0"/>
-              <a:t>05.07.2018</a:t>
+              <a:t>30.07.2018</a:t>
             </a:fld>
             <a:endParaRPr lang="pl-PL"/>
           </a:p>
@@ -1424,7 +1425,7 @@
           <a:p>
             <a:fld id="{36C21D95-A4D9-8143-B5F6-E64779D4B9CD}" type="datetimeFigureOut">
               <a:rPr lang="pl-PL" smtClean="0"/>
-              <a:t>05.07.2018</a:t>
+              <a:t>30.07.2018</a:t>
             </a:fld>
             <a:endParaRPr lang="pl-PL"/>
           </a:p>
@@ -1836,7 +1837,7 @@
           <a:p>
             <a:fld id="{36C21D95-A4D9-8143-B5F6-E64779D4B9CD}" type="datetimeFigureOut">
               <a:rPr lang="pl-PL" smtClean="0"/>
-              <a:t>05.07.2018</a:t>
+              <a:t>30.07.2018</a:t>
             </a:fld>
             <a:endParaRPr lang="pl-PL"/>
           </a:p>
@@ -1977,7 +1978,7 @@
           <a:p>
             <a:fld id="{36C21D95-A4D9-8143-B5F6-E64779D4B9CD}" type="datetimeFigureOut">
               <a:rPr lang="pl-PL" smtClean="0"/>
-              <a:t>05.07.2018</a:t>
+              <a:t>30.07.2018</a:t>
             </a:fld>
             <a:endParaRPr lang="pl-PL"/>
           </a:p>
@@ -2090,7 +2091,7 @@
           <a:p>
             <a:fld id="{36C21D95-A4D9-8143-B5F6-E64779D4B9CD}" type="datetimeFigureOut">
               <a:rPr lang="pl-PL" smtClean="0"/>
-              <a:t>05.07.2018</a:t>
+              <a:t>30.07.2018</a:t>
             </a:fld>
             <a:endParaRPr lang="pl-PL"/>
           </a:p>
@@ -2401,7 +2402,7 @@
           <a:p>
             <a:fld id="{36C21D95-A4D9-8143-B5F6-E64779D4B9CD}" type="datetimeFigureOut">
               <a:rPr lang="pl-PL" smtClean="0"/>
-              <a:t>05.07.2018</a:t>
+              <a:t>30.07.2018</a:t>
             </a:fld>
             <a:endParaRPr lang="pl-PL"/>
           </a:p>
@@ -2689,7 +2690,7 @@
           <a:p>
             <a:fld id="{36C21D95-A4D9-8143-B5F6-E64779D4B9CD}" type="datetimeFigureOut">
               <a:rPr lang="pl-PL" smtClean="0"/>
-              <a:t>05.07.2018</a:t>
+              <a:t>30.07.2018</a:t>
             </a:fld>
             <a:endParaRPr lang="pl-PL"/>
           </a:p>
@@ -2930,7 +2931,7 @@
           <a:p>
             <a:fld id="{36C21D95-A4D9-8143-B5F6-E64779D4B9CD}" type="datetimeFigureOut">
               <a:rPr lang="pl-PL" smtClean="0"/>
-              <a:t>05.07.2018</a:t>
+              <a:t>30.07.2018</a:t>
             </a:fld>
             <a:endParaRPr lang="pl-PL"/>
           </a:p>
@@ -4832,14 +4833,14 @@
           <a:p>
             <a:r>
               <a:rPr lang="pl-PL" dirty="0"/>
-              <a:t>Ćwiczenie 6</a:t>
+              <a:t>Ćwiczenie 5</a:t>
             </a:r>
             <a:br>
               <a:rPr lang="pl-PL" dirty="0"/>
             </a:br>
             <a:r>
               <a:rPr lang="pl-PL" b="1" dirty="0"/>
-              <a:t>Suma liczb od 1 do n</a:t>
+              <a:t>Suma liczb od 1 do 10</a:t>
             </a:r>
           </a:p>
         </p:txBody>
@@ -4865,23 +4866,103 @@
           <a:bodyPr/>
           <a:lstStyle/>
           <a:p>
-            <a:r>
-              <a:rPr lang="pl-PL" dirty="0"/>
-              <a:t>Tworzymy zmienną n i wczytujemy jej wartość od użytkownika</a:t>
-            </a:r>
-          </a:p>
-          <a:p>
-            <a:r>
-              <a:rPr lang="pl-PL" dirty="0"/>
-              <a:t>Następnie liczymy sumę jak poprzednio, ale nie od 1 do 10, tylko od 1 do n</a:t>
-            </a:r>
+            <a:pPr marL="514350" indent="-514350">
+              <a:buFont typeface="+mj-lt"/>
+              <a:buAutoNum type="arabicPeriod"/>
+            </a:pPr>
+            <a:r>
+              <a:rPr lang="pl-PL" b="1" dirty="0">
+                <a:latin typeface="Consolas" panose="020B0609020204030204" pitchFamily="49" charset="0"/>
+                <a:cs typeface="Consolas" panose="020B0609020204030204" pitchFamily="49" charset="0"/>
+              </a:rPr>
+              <a:t>suma == 0</a:t>
+            </a:r>
+          </a:p>
+          <a:p>
+            <a:pPr marL="514350" indent="-514350">
+              <a:buFont typeface="+mj-lt"/>
+              <a:buAutoNum type="arabicPeriod"/>
+            </a:pPr>
+            <a:r>
+              <a:rPr lang="pl-PL" b="1" dirty="0">
+                <a:latin typeface="Consolas" panose="020B0609020204030204" pitchFamily="49" charset="0"/>
+                <a:cs typeface="Consolas" panose="020B0609020204030204" pitchFamily="49" charset="0"/>
+              </a:rPr>
+              <a:t>i == 1, suma == 1</a:t>
+            </a:r>
+          </a:p>
+          <a:p>
+            <a:pPr marL="514350" indent="-514350">
+              <a:buFont typeface="+mj-lt"/>
+              <a:buAutoNum type="arabicPeriod"/>
+            </a:pPr>
+            <a:r>
+              <a:rPr lang="pl-PL" b="1" dirty="0">
+                <a:latin typeface="Consolas" panose="020B0609020204030204" pitchFamily="49" charset="0"/>
+                <a:cs typeface="Consolas" panose="020B0609020204030204" pitchFamily="49" charset="0"/>
+              </a:rPr>
+              <a:t>i == 2, suma == 3</a:t>
+            </a:r>
+          </a:p>
+          <a:p>
+            <a:pPr marL="514350" indent="-514350">
+              <a:buFont typeface="+mj-lt"/>
+              <a:buAutoNum type="arabicPeriod"/>
+            </a:pPr>
+            <a:r>
+              <a:rPr lang="pl-PL" b="1" dirty="0">
+                <a:latin typeface="Consolas" panose="020B0609020204030204" pitchFamily="49" charset="0"/>
+                <a:cs typeface="Consolas" panose="020B0609020204030204" pitchFamily="49" charset="0"/>
+              </a:rPr>
+              <a:t>i == 3, suma == 6</a:t>
+            </a:r>
+          </a:p>
+          <a:p>
+            <a:pPr marL="514350" indent="-514350">
+              <a:buFont typeface="+mj-lt"/>
+              <a:buAutoNum type="arabicPeriod"/>
+            </a:pPr>
+            <a:r>
+              <a:rPr lang="pl-PL" b="1" dirty="0">
+                <a:latin typeface="Consolas" panose="020B0609020204030204" pitchFamily="49" charset="0"/>
+                <a:cs typeface="Consolas" panose="020B0609020204030204" pitchFamily="49" charset="0"/>
+              </a:rPr>
+              <a:t>i == 4, suma == 10</a:t>
+            </a:r>
+          </a:p>
+          <a:p>
+            <a:pPr marL="514350" indent="-514350">
+              <a:buFont typeface="+mj-lt"/>
+              <a:buAutoNum type="arabicPeriod"/>
+            </a:pPr>
+            <a:r>
+              <a:rPr lang="pl-PL" b="1">
+                <a:latin typeface="Consolas" panose="020B0609020204030204" pitchFamily="49" charset="0"/>
+                <a:cs typeface="Consolas" panose="020B0609020204030204" pitchFamily="49" charset="0"/>
+              </a:rPr>
+              <a:t>…</a:t>
+            </a:r>
+            <a:endParaRPr lang="pl-PL" b="1" dirty="0">
+              <a:latin typeface="Consolas" panose="020B0609020204030204" pitchFamily="49" charset="0"/>
+              <a:cs typeface="Consolas" panose="020B0609020204030204" pitchFamily="49" charset="0"/>
+            </a:endParaRPr>
+          </a:p>
+          <a:p>
+            <a:pPr marL="514350" indent="-514350">
+              <a:buFont typeface="+mj-lt"/>
+              <a:buAutoNum type="arabicPeriod"/>
+            </a:pPr>
+            <a:endParaRPr lang="pl-PL" b="1" dirty="0">
+              <a:latin typeface="Consolas" panose="020B0609020204030204" pitchFamily="49" charset="0"/>
+              <a:cs typeface="Consolas" panose="020B0609020204030204" pitchFamily="49" charset="0"/>
+            </a:endParaRPr>
           </a:p>
         </p:txBody>
       </p:sp>
     </p:spTree>
     <p:extLst>
       <p:ext uri="{BB962C8B-B14F-4D97-AF65-F5344CB8AC3E}">
-        <p14:creationId xmlns:p14="http://schemas.microsoft.com/office/powerpoint/2010/main" val="2483635449"/>
+        <p14:creationId xmlns:p14="http://schemas.microsoft.com/office/powerpoint/2010/main" val="3642211764"/>
       </p:ext>
     </p:extLst>
   </p:cSld>
@@ -4964,6 +5045,105 @@
           <a:bodyPr/>
           <a:lstStyle/>
           <a:p>
+            <a:r>
+              <a:rPr lang="pl-PL" dirty="0"/>
+              <a:t>Tworzymy zmienną n i wczytujemy jej wartość od użytkownika</a:t>
+            </a:r>
+          </a:p>
+          <a:p>
+            <a:r>
+              <a:rPr lang="pl-PL" dirty="0"/>
+              <a:t>Następnie liczymy sumę jak poprzednio, ale nie od 1 do 10, tylko od 1 do n</a:t>
+            </a:r>
+          </a:p>
+        </p:txBody>
+      </p:sp>
+    </p:spTree>
+    <p:extLst>
+      <p:ext uri="{BB962C8B-B14F-4D97-AF65-F5344CB8AC3E}">
+        <p14:creationId xmlns:p14="http://schemas.microsoft.com/office/powerpoint/2010/main" val="2483635449"/>
+      </p:ext>
+    </p:extLst>
+  </p:cSld>
+  <p:clrMapOvr>
+    <a:masterClrMapping/>
+  </p:clrMapOvr>
+</p:sld>
+</file>
+
+<file path=ppt/slides/slide22.xml><?xml version="1.0" encoding="utf-8"?>
+<p:sld xmlns:a="http://schemas.openxmlformats.org/drawingml/2006/main" xmlns:r="http://schemas.openxmlformats.org/officeDocument/2006/relationships" xmlns:p="http://schemas.openxmlformats.org/presentationml/2006/main">
+  <p:cSld>
+    <p:spTree>
+      <p:nvGrpSpPr>
+        <p:cNvPr id="1" name=""/>
+        <p:cNvGrpSpPr/>
+        <p:nvPr/>
+      </p:nvGrpSpPr>
+      <p:grpSpPr>
+        <a:xfrm>
+          <a:off x="0" y="0"/>
+          <a:ext cx="0" cy="0"/>
+          <a:chOff x="0" y="0"/>
+          <a:chExt cx="0" cy="0"/>
+        </a:xfrm>
+      </p:grpSpPr>
+      <p:sp>
+        <p:nvSpPr>
+          <p:cNvPr id="2" name="Tytuł 1">
+            <a:extLst>
+              <a:ext uri="{FF2B5EF4-FFF2-40B4-BE49-F238E27FC236}">
+                <a16:creationId xmlns:a16="http://schemas.microsoft.com/office/drawing/2014/main" id="{A5769F86-67C6-524F-BD08-664BF2FBFCF9}"/>
+              </a:ext>
+            </a:extLst>
+          </p:cNvPr>
+          <p:cNvSpPr>
+            <a:spLocks noGrp="1"/>
+          </p:cNvSpPr>
+          <p:nvPr>
+            <p:ph type="title"/>
+          </p:nvPr>
+        </p:nvSpPr>
+        <p:spPr/>
+        <p:txBody>
+          <a:bodyPr/>
+          <a:lstStyle/>
+          <a:p>
+            <a:r>
+              <a:rPr lang="pl-PL" dirty="0"/>
+              <a:t>Ćwiczenie 6</a:t>
+            </a:r>
+            <a:br>
+              <a:rPr lang="pl-PL" dirty="0"/>
+            </a:br>
+            <a:r>
+              <a:rPr lang="pl-PL" b="1" dirty="0"/>
+              <a:t>Suma liczb od 1 do n</a:t>
+            </a:r>
+          </a:p>
+        </p:txBody>
+      </p:sp>
+      <p:sp>
+        <p:nvSpPr>
+          <p:cNvPr id="3" name="Symbol zastępczy zawartości 2">
+            <a:extLst>
+              <a:ext uri="{FF2B5EF4-FFF2-40B4-BE49-F238E27FC236}">
+                <a16:creationId xmlns:a16="http://schemas.microsoft.com/office/drawing/2014/main" id="{69508270-2AC3-6A4D-918C-B32D921BB0B7}"/>
+              </a:ext>
+            </a:extLst>
+          </p:cNvPr>
+          <p:cNvSpPr>
+            <a:spLocks noGrp="1"/>
+          </p:cNvSpPr>
+          <p:nvPr>
+            <p:ph idx="1"/>
+          </p:nvPr>
+        </p:nvSpPr>
+        <p:spPr/>
+        <p:txBody>
+          <a:bodyPr/>
+          <a:lstStyle/>
+          <a:p>
             <a:pPr marL="514350" indent="-514350">
               <a:buFont typeface="+mj-lt"/>
               <a:buAutoNum type="arabicPeriod"/>
@@ -5085,7 +5265,7 @@
 </p:sld>
 </file>
 
-<file path=ppt/slides/slide22.xml><?xml version="1.0" encoding="utf-8"?>
+<file path=ppt/slides/slide23.xml><?xml version="1.0" encoding="utf-8"?>
 <p:sld xmlns:a="http://schemas.openxmlformats.org/drawingml/2006/main" xmlns:r="http://schemas.openxmlformats.org/officeDocument/2006/relationships" xmlns:p="http://schemas.openxmlformats.org/presentationml/2006/main">
   <p:cSld>
     <p:spTree>
@@ -5397,7 +5577,7 @@
             </a:br>
             <a:r>
               <a:rPr lang="pl-PL" b="1" dirty="0"/>
-              <a:t>Zamiana zmiennych</a:t>
+              <a:t>Zamiana wartości zmiennych</a:t>
             </a:r>
           </a:p>
         </p:txBody>
@@ -5486,8 +5666,12 @@
           </a:p>
           <a:p>
             <a:r>
-              <a:rPr lang="pl-PL" dirty="0"/>
-              <a:t>Zadanie: zamienić zmienne </a:t>
+              <a:rPr lang="pl-PL" b="1" dirty="0"/>
+              <a:t>Zadanie: </a:t>
+            </a:r>
+            <a:r>
+              <a:rPr lang="pl-PL" dirty="0"/>
+              <a:t>zamienić zmienne </a:t>
             </a:r>
             <a:r>
               <a:rPr lang="pl-PL" b="1" dirty="0">
@@ -5606,7 +5790,7 @@
             </a:br>
             <a:r>
               <a:rPr lang="pl-PL" b="1" dirty="0"/>
-              <a:t>Zamiana zmiennych</a:t>
+              <a:t>Zamiana wartości zmiennych</a:t>
             </a:r>
           </a:p>
         </p:txBody>
